--- a/trunk/Report Team/Slide/Slidethuyet trinh.pptx
+++ b/trunk/Report Team/Slide/Slidethuyet trinh.pptx
@@ -273,7 +273,7 @@
           <a:p>
             <a:fld id="{17598F36-7553-4719-86FF-C543D15FAA80}" type="datetimeFigureOut">
               <a:rPr lang="en-US" smtClean="0"/>
-              <a:t>12/3/2013</a:t>
+              <a:t>12/5/2013</a:t>
             </a:fld>
             <a:endParaRPr lang="en-US"/>
           </a:p>
@@ -443,7 +443,7 @@
           <a:p>
             <a:fld id="{17598F36-7553-4719-86FF-C543D15FAA80}" type="datetimeFigureOut">
               <a:rPr lang="en-US" smtClean="0"/>
-              <a:t>12/3/2013</a:t>
+              <a:t>12/5/2013</a:t>
             </a:fld>
             <a:endParaRPr lang="en-US"/>
           </a:p>
@@ -623,7 +623,7 @@
           <a:p>
             <a:fld id="{17598F36-7553-4719-86FF-C543D15FAA80}" type="datetimeFigureOut">
               <a:rPr lang="en-US" smtClean="0"/>
-              <a:t>12/3/2013</a:t>
+              <a:t>12/5/2013</a:t>
             </a:fld>
             <a:endParaRPr lang="en-US"/>
           </a:p>
@@ -793,7 +793,7 @@
           <a:p>
             <a:fld id="{17598F36-7553-4719-86FF-C543D15FAA80}" type="datetimeFigureOut">
               <a:rPr lang="en-US" smtClean="0"/>
-              <a:t>12/3/2013</a:t>
+              <a:t>12/5/2013</a:t>
             </a:fld>
             <a:endParaRPr lang="en-US"/>
           </a:p>
@@ -1039,7 +1039,7 @@
           <a:p>
             <a:fld id="{17598F36-7553-4719-86FF-C543D15FAA80}" type="datetimeFigureOut">
               <a:rPr lang="en-US" smtClean="0"/>
-              <a:t>12/3/2013</a:t>
+              <a:t>12/5/2013</a:t>
             </a:fld>
             <a:endParaRPr lang="en-US"/>
           </a:p>
@@ -1271,7 +1271,7 @@
           <a:p>
             <a:fld id="{17598F36-7553-4719-86FF-C543D15FAA80}" type="datetimeFigureOut">
               <a:rPr lang="en-US" smtClean="0"/>
-              <a:t>12/3/2013</a:t>
+              <a:t>12/5/2013</a:t>
             </a:fld>
             <a:endParaRPr lang="en-US"/>
           </a:p>
@@ -1638,7 +1638,7 @@
           <a:p>
             <a:fld id="{17598F36-7553-4719-86FF-C543D15FAA80}" type="datetimeFigureOut">
               <a:rPr lang="en-US" smtClean="0"/>
-              <a:t>12/3/2013</a:t>
+              <a:t>12/5/2013</a:t>
             </a:fld>
             <a:endParaRPr lang="en-US"/>
           </a:p>
@@ -1756,7 +1756,7 @@
           <a:p>
             <a:fld id="{17598F36-7553-4719-86FF-C543D15FAA80}" type="datetimeFigureOut">
               <a:rPr lang="en-US" smtClean="0"/>
-              <a:t>12/3/2013</a:t>
+              <a:t>12/5/2013</a:t>
             </a:fld>
             <a:endParaRPr lang="en-US"/>
           </a:p>
@@ -1851,7 +1851,7 @@
           <a:p>
             <a:fld id="{17598F36-7553-4719-86FF-C543D15FAA80}" type="datetimeFigureOut">
               <a:rPr lang="en-US" smtClean="0"/>
-              <a:t>12/3/2013</a:t>
+              <a:t>12/5/2013</a:t>
             </a:fld>
             <a:endParaRPr lang="en-US"/>
           </a:p>
@@ -2128,7 +2128,7 @@
           <a:p>
             <a:fld id="{17598F36-7553-4719-86FF-C543D15FAA80}" type="datetimeFigureOut">
               <a:rPr lang="en-US" smtClean="0"/>
-              <a:t>12/3/2013</a:t>
+              <a:t>12/5/2013</a:t>
             </a:fld>
             <a:endParaRPr lang="en-US"/>
           </a:p>
@@ -2381,7 +2381,7 @@
           <a:p>
             <a:fld id="{17598F36-7553-4719-86FF-C543D15FAA80}" type="datetimeFigureOut">
               <a:rPr lang="en-US" smtClean="0"/>
-              <a:t>12/3/2013</a:t>
+              <a:t>12/5/2013</a:t>
             </a:fld>
             <a:endParaRPr lang="en-US"/>
           </a:p>
@@ -2594,7 +2594,7 @@
           <a:p>
             <a:fld id="{17598F36-7553-4719-86FF-C543D15FAA80}" type="datetimeFigureOut">
               <a:rPr lang="en-US" smtClean="0"/>
-              <a:t>12/3/2013</a:t>
+              <a:t>12/5/2013</a:t>
             </a:fld>
             <a:endParaRPr lang="en-US"/>
           </a:p>
@@ -7907,8 +7907,8 @@
         </p:blipFill>
         <p:spPr>
           <a:xfrm>
-            <a:off x="5226312" y="1161712"/>
-            <a:ext cx="6343650" cy="3905250"/>
+            <a:off x="5863363" y="1161712"/>
+            <a:ext cx="5069548" cy="3905250"/>
           </a:xfrm>
           <a:prstGeom prst="rect">
             <a:avLst/>
